--- a/Milestone1.pptx
+++ b/Milestone1.pptx
@@ -2372,14 +2372,26 @@
         <a:lstStyle/>
         <a:p>
           <a:r>
-            <a:rPr lang="de-DE" b="0" u="sng" dirty="0"/>
+            <a:rPr lang="de-DE" b="0" u="sng" dirty="0">
+              <a:solidFill>
+                <a:schemeClr val="tx2"/>
+              </a:solidFill>
+            </a:rPr>
             <a:t>Game Type </a:t>
           </a:r>
           <a:r>
-            <a:rPr lang="de-DE" dirty="0" err="1"/>
+            <a:rPr lang="de-DE" dirty="0" err="1">
+              <a:solidFill>
+                <a:schemeClr val="tx2"/>
+              </a:solidFill>
+            </a:rPr>
             <a:t>Platformer</a:t>
           </a:r>
-          <a:endParaRPr lang="de-DE" dirty="0"/>
+          <a:endParaRPr lang="de-DE" dirty="0">
+            <a:solidFill>
+              <a:schemeClr val="tx2"/>
+            </a:solidFill>
+          </a:endParaRPr>
         </a:p>
       </dgm:t>
     </dgm:pt>
@@ -2413,19 +2425,35 @@
         <a:lstStyle/>
         <a:p>
           <a:r>
-            <a:rPr lang="de-DE" u="sng" dirty="0"/>
+            <a:rPr lang="de-DE" u="sng" dirty="0">
+              <a:solidFill>
+                <a:schemeClr val="tx2"/>
+              </a:solidFill>
+            </a:rPr>
             <a:t>Main </a:t>
           </a:r>
           <a:r>
-            <a:rPr lang="de-DE" u="sng" dirty="0" err="1"/>
+            <a:rPr lang="de-DE" u="sng" dirty="0" err="1">
+              <a:solidFill>
+                <a:schemeClr val="tx2"/>
+              </a:solidFill>
+            </a:rPr>
             <a:t>Actor</a:t>
           </a:r>
           <a:r>
-            <a:rPr lang="de-DE" u="sng" dirty="0"/>
+            <a:rPr lang="de-DE" u="sng" dirty="0">
+              <a:solidFill>
+                <a:schemeClr val="tx2"/>
+              </a:solidFill>
+            </a:rPr>
             <a:t> </a:t>
           </a:r>
           <a:r>
-            <a:rPr lang="de-DE" dirty="0"/>
+            <a:rPr lang="de-DE" dirty="0">
+              <a:solidFill>
+                <a:schemeClr val="tx2"/>
+              </a:solidFill>
+            </a:rPr>
             <a:t>Spider</a:t>
           </a:r>
         </a:p>
@@ -2461,33 +2489,18 @@
         <a:lstStyle/>
         <a:p>
           <a:r>
-            <a:rPr lang="de-DE" dirty="0"/>
-            <a:t>&lt;</a:t>
+            <a:rPr lang="de-DE" dirty="0" err="1">
+              <a:solidFill>
+                <a:schemeClr val="tx2"/>
+              </a:solidFill>
+            </a:rPr>
+            <a:t>Splorrt</a:t>
           </a:r>
-          <a:r>
-            <a:rPr lang="de-DE" dirty="0" err="1"/>
-            <a:t>insert</a:t>
-          </a:r>
-          <a:r>
-            <a:rPr lang="de-DE" dirty="0"/>
-            <a:t> </a:t>
-          </a:r>
-          <a:r>
-            <a:rPr lang="de-DE" dirty="0" err="1"/>
-            <a:t>game</a:t>
-          </a:r>
-          <a:r>
-            <a:rPr lang="de-DE" dirty="0"/>
-            <a:t> title </a:t>
-          </a:r>
-          <a:r>
-            <a:rPr lang="de-DE" dirty="0" err="1"/>
-            <a:t>here</a:t>
-          </a:r>
-          <a:r>
-            <a:rPr lang="de-DE" dirty="0"/>
-            <a:t>&gt;</a:t>
-          </a:r>
+          <a:endParaRPr lang="de-DE" dirty="0">
+            <a:solidFill>
+              <a:schemeClr val="tx2"/>
+            </a:solidFill>
+          </a:endParaRPr>
         </a:p>
       </dgm:t>
     </dgm:pt>
@@ -2624,7 +2637,11 @@
         <a:lstStyle/>
         <a:p>
           <a:r>
-            <a:rPr lang="de-DE" dirty="0"/>
+            <a:rPr lang="de-DE" dirty="0">
+              <a:solidFill>
+                <a:schemeClr val="tx2"/>
+              </a:solidFill>
+            </a:rPr>
             <a:t>Story</a:t>
           </a:r>
         </a:p>
@@ -2796,7 +2813,11 @@
         <a:lstStyle/>
         <a:p>
           <a:r>
-            <a:rPr lang="de-DE" dirty="0"/>
+            <a:rPr lang="de-DE" dirty="0">
+              <a:solidFill>
+                <a:schemeClr val="tx2"/>
+              </a:solidFill>
+            </a:rPr>
             <a:t>Goals</a:t>
           </a:r>
         </a:p>
@@ -3066,7 +3087,11 @@
         <a:lstStyle/>
         <a:p>
           <a:r>
-            <a:rPr lang="de-DE" dirty="0"/>
+            <a:rPr lang="de-DE" dirty="0">
+              <a:solidFill>
+                <a:schemeClr val="tx2"/>
+              </a:solidFill>
+            </a:rPr>
             <a:t>Gravity</a:t>
           </a:r>
         </a:p>
@@ -3102,14 +3127,26 @@
         <a:lstStyle/>
         <a:p>
           <a:r>
-            <a:rPr lang="de-DE" dirty="0"/>
+            <a:rPr lang="de-DE" dirty="0">
+              <a:solidFill>
+                <a:schemeClr val="tx2"/>
+              </a:solidFill>
+            </a:rPr>
             <a:t>Web </a:t>
           </a:r>
           <a:r>
-            <a:rPr lang="de-DE" dirty="0" err="1"/>
+            <a:rPr lang="de-DE" dirty="0" err="1">
+              <a:solidFill>
+                <a:schemeClr val="tx2"/>
+              </a:solidFill>
+            </a:rPr>
             <a:t>mechanics</a:t>
           </a:r>
-          <a:endParaRPr lang="de-DE" dirty="0"/>
+          <a:endParaRPr lang="de-DE" dirty="0">
+            <a:solidFill>
+              <a:schemeClr val="tx2"/>
+            </a:solidFill>
+          </a:endParaRPr>
         </a:p>
       </dgm:t>
     </dgm:pt>
@@ -3143,26 +3180,50 @@
         <a:lstStyle/>
         <a:p>
           <a:r>
-            <a:rPr lang="de-DE" dirty="0" err="1"/>
+            <a:rPr lang="de-DE" dirty="0" err="1">
+              <a:solidFill>
+                <a:schemeClr val="tx2"/>
+              </a:solidFill>
+            </a:rPr>
             <a:t>Surfaces</a:t>
           </a:r>
           <a:r>
-            <a:rPr lang="de-DE" dirty="0"/>
+            <a:rPr lang="de-DE" dirty="0">
+              <a:solidFill>
+                <a:schemeClr val="tx2"/>
+              </a:solidFill>
+            </a:rPr>
             <a:t> / Block </a:t>
           </a:r>
           <a:r>
-            <a:rPr lang="de-DE" dirty="0" err="1"/>
+            <a:rPr lang="de-DE" dirty="0" err="1">
+              <a:solidFill>
+                <a:schemeClr val="tx2"/>
+              </a:solidFill>
+            </a:rPr>
             <a:t>based</a:t>
           </a:r>
           <a:r>
-            <a:rPr lang="de-DE" dirty="0"/>
+            <a:rPr lang="de-DE" dirty="0">
+              <a:solidFill>
+                <a:schemeClr val="tx2"/>
+              </a:solidFill>
+            </a:rPr>
             <a:t> </a:t>
           </a:r>
           <a:r>
-            <a:rPr lang="de-DE" dirty="0" err="1"/>
+            <a:rPr lang="de-DE" dirty="0" err="1">
+              <a:solidFill>
+                <a:schemeClr val="tx2"/>
+              </a:solidFill>
+            </a:rPr>
             <a:t>environment</a:t>
           </a:r>
-          <a:endParaRPr lang="de-DE" dirty="0"/>
+          <a:endParaRPr lang="de-DE" dirty="0">
+            <a:solidFill>
+              <a:schemeClr val="tx2"/>
+            </a:solidFill>
+          </a:endParaRPr>
         </a:p>
       </dgm:t>
     </dgm:pt>
@@ -3196,18 +3257,34 @@
         <a:lstStyle/>
         <a:p>
           <a:r>
-            <a:rPr lang="de-DE" dirty="0" err="1"/>
+            <a:rPr lang="de-DE" dirty="0" err="1">
+              <a:solidFill>
+                <a:schemeClr val="tx2"/>
+              </a:solidFill>
+            </a:rPr>
             <a:t>Fighting</a:t>
           </a:r>
           <a:r>
-            <a:rPr lang="de-DE" dirty="0"/>
+            <a:rPr lang="de-DE" dirty="0">
+              <a:solidFill>
+                <a:schemeClr val="tx2"/>
+              </a:solidFill>
+            </a:rPr>
             <a:t> / Enemy </a:t>
           </a:r>
           <a:r>
-            <a:rPr lang="de-DE" dirty="0" err="1"/>
+            <a:rPr lang="de-DE" dirty="0" err="1">
+              <a:solidFill>
+                <a:schemeClr val="tx2"/>
+              </a:solidFill>
+            </a:rPr>
             <a:t>interactions</a:t>
           </a:r>
-          <a:endParaRPr lang="de-DE" dirty="0"/>
+          <a:endParaRPr lang="de-DE" dirty="0">
+            <a:solidFill>
+              <a:schemeClr val="tx2"/>
+            </a:solidFill>
+          </a:endParaRPr>
         </a:p>
       </dgm:t>
     </dgm:pt>
@@ -3241,18 +3318,34 @@
         <a:lstStyle/>
         <a:p>
           <a:r>
-            <a:rPr lang="de-DE" dirty="0" err="1"/>
+            <a:rPr lang="de-DE" dirty="0" err="1">
+              <a:solidFill>
+                <a:schemeClr val="tx2"/>
+              </a:solidFill>
+            </a:rPr>
             <a:t>Resource</a:t>
           </a:r>
           <a:r>
-            <a:rPr lang="de-DE" dirty="0"/>
+            <a:rPr lang="de-DE" dirty="0">
+              <a:solidFill>
+                <a:schemeClr val="tx2"/>
+              </a:solidFill>
+            </a:rPr>
             <a:t> </a:t>
           </a:r>
           <a:r>
-            <a:rPr lang="de-DE" dirty="0" err="1"/>
+            <a:rPr lang="de-DE" dirty="0" err="1">
+              <a:solidFill>
+                <a:schemeClr val="tx2"/>
+              </a:solidFill>
+            </a:rPr>
             <a:t>based</a:t>
           </a:r>
-          <a:endParaRPr lang="de-DE" dirty="0"/>
+          <a:endParaRPr lang="de-DE" dirty="0">
+            <a:solidFill>
+              <a:schemeClr val="tx2"/>
+            </a:solidFill>
+          </a:endParaRPr>
         </a:p>
       </dgm:t>
     </dgm:pt>
@@ -3448,14 +3541,26 @@
             <a:buNone/>
           </a:pPr>
           <a:r>
-            <a:rPr lang="de-DE" sz="1300" b="0" u="sng" kern="1200" dirty="0"/>
+            <a:rPr lang="de-DE" sz="1300" b="0" u="sng" kern="1200" dirty="0">
+              <a:solidFill>
+                <a:schemeClr val="tx2"/>
+              </a:solidFill>
+            </a:rPr>
             <a:t>Game Type </a:t>
           </a:r>
           <a:r>
-            <a:rPr lang="de-DE" sz="1300" kern="1200" dirty="0" err="1"/>
+            <a:rPr lang="de-DE" sz="1300" kern="1200" dirty="0" err="1">
+              <a:solidFill>
+                <a:schemeClr val="tx2"/>
+              </a:solidFill>
+            </a:rPr>
             <a:t>Platformer</a:t>
           </a:r>
-          <a:endParaRPr lang="de-DE" sz="1300" kern="1200" dirty="0"/>
+          <a:endParaRPr lang="de-DE" sz="1300" kern="1200" dirty="0">
+            <a:solidFill>
+              <a:schemeClr val="tx2"/>
+            </a:solidFill>
+          </a:endParaRPr>
         </a:p>
       </dsp:txBody>
       <dsp:txXfrm>
@@ -3599,19 +3704,35 @@
             <a:buNone/>
           </a:pPr>
           <a:r>
-            <a:rPr lang="de-DE" sz="1300" u="sng" kern="1200" dirty="0"/>
+            <a:rPr lang="de-DE" sz="1300" u="sng" kern="1200" dirty="0">
+              <a:solidFill>
+                <a:schemeClr val="tx2"/>
+              </a:solidFill>
+            </a:rPr>
             <a:t>Main </a:t>
           </a:r>
           <a:r>
-            <a:rPr lang="de-DE" sz="1300" u="sng" kern="1200" dirty="0" err="1"/>
+            <a:rPr lang="de-DE" sz="1300" u="sng" kern="1200" dirty="0" err="1">
+              <a:solidFill>
+                <a:schemeClr val="tx2"/>
+              </a:solidFill>
+            </a:rPr>
             <a:t>Actor</a:t>
           </a:r>
           <a:r>
-            <a:rPr lang="de-DE" sz="1300" u="sng" kern="1200" dirty="0"/>
+            <a:rPr lang="de-DE" sz="1300" u="sng" kern="1200" dirty="0">
+              <a:solidFill>
+                <a:schemeClr val="tx2"/>
+              </a:solidFill>
+            </a:rPr>
             <a:t> </a:t>
           </a:r>
           <a:r>
-            <a:rPr lang="de-DE" sz="1300" kern="1200" dirty="0"/>
+            <a:rPr lang="de-DE" sz="1300" kern="1200" dirty="0">
+              <a:solidFill>
+                <a:schemeClr val="tx2"/>
+              </a:solidFill>
+            </a:rPr>
             <a:t>Spider</a:t>
           </a:r>
         </a:p>
@@ -3742,12 +3863,12 @@
         </a:fontRef>
       </dsp:style>
       <dsp:txBody>
-        <a:bodyPr spcFirstLastPara="0" vert="horz" wrap="square" lIns="35560" tIns="35560" rIns="35560" bIns="35560" numCol="1" spcCol="1270" anchor="ctr" anchorCtr="0">
+        <a:bodyPr spcFirstLastPara="0" vert="horz" wrap="square" lIns="52070" tIns="52070" rIns="52070" bIns="52070" numCol="1" spcCol="1270" anchor="ctr" anchorCtr="0">
           <a:noAutofit/>
         </a:bodyPr>
         <a:lstStyle/>
         <a:p>
-          <a:pPr marL="0" lvl="0" indent="0" algn="ctr" defTabSz="1244600">
+          <a:pPr marL="0" lvl="0" indent="0" algn="ctr" defTabSz="1822450">
             <a:lnSpc>
               <a:spcPct val="90000"/>
             </a:lnSpc>
@@ -3760,33 +3881,18 @@
             <a:buNone/>
           </a:pPr>
           <a:r>
-            <a:rPr lang="de-DE" sz="2800" kern="1200" dirty="0"/>
-            <a:t>&lt;</a:t>
+            <a:rPr lang="de-DE" sz="4100" kern="1200" dirty="0" err="1">
+              <a:solidFill>
+                <a:schemeClr val="tx2"/>
+              </a:solidFill>
+            </a:rPr>
+            <a:t>Splorrt</a:t>
           </a:r>
-          <a:r>
-            <a:rPr lang="de-DE" sz="2800" kern="1200" dirty="0" err="1"/>
-            <a:t>insert</a:t>
-          </a:r>
-          <a:r>
-            <a:rPr lang="de-DE" sz="2800" kern="1200" dirty="0"/>
-            <a:t> </a:t>
-          </a:r>
-          <a:r>
-            <a:rPr lang="de-DE" sz="2800" kern="1200" dirty="0" err="1"/>
-            <a:t>game</a:t>
-          </a:r>
-          <a:r>
-            <a:rPr lang="de-DE" sz="2800" kern="1200" dirty="0"/>
-            <a:t> title </a:t>
-          </a:r>
-          <a:r>
-            <a:rPr lang="de-DE" sz="2800" kern="1200" dirty="0" err="1"/>
-            <a:t>here</a:t>
-          </a:r>
-          <a:r>
-            <a:rPr lang="de-DE" sz="2800" kern="1200" dirty="0"/>
-            <a:t>&gt;</a:t>
-          </a:r>
+          <a:endParaRPr lang="de-DE" sz="4100" kern="1200" dirty="0">
+            <a:solidFill>
+              <a:schemeClr val="tx2"/>
+            </a:solidFill>
+          </a:endParaRPr>
         </a:p>
       </dsp:txBody>
       <dsp:txXfrm>
@@ -3878,7 +3984,11 @@
             <a:buNone/>
           </a:pPr>
           <a:r>
-            <a:rPr lang="de-DE" sz="3000" kern="1200" dirty="0"/>
+            <a:rPr lang="de-DE" sz="3000" kern="1200" dirty="0">
+              <a:solidFill>
+                <a:schemeClr val="tx2"/>
+              </a:solidFill>
+            </a:rPr>
             <a:t>Story</a:t>
           </a:r>
         </a:p>
@@ -4131,7 +4241,11 @@
             <a:buNone/>
           </a:pPr>
           <a:r>
-            <a:rPr lang="de-DE" sz="3000" kern="1200" dirty="0"/>
+            <a:rPr lang="de-DE" sz="3000" kern="1200" dirty="0">
+              <a:solidFill>
+                <a:schemeClr val="tx2"/>
+              </a:solidFill>
+            </a:rPr>
             <a:t>Goals</a:t>
           </a:r>
         </a:p>
@@ -4385,7 +4499,11 @@
             <a:buNone/>
           </a:pPr>
           <a:r>
-            <a:rPr lang="de-DE" sz="2900" kern="1200" dirty="0"/>
+            <a:rPr lang="de-DE" sz="2900" kern="1200" dirty="0">
+              <a:solidFill>
+                <a:schemeClr val="tx2"/>
+              </a:solidFill>
+            </a:rPr>
             <a:t>Gravity</a:t>
           </a:r>
         </a:p>
@@ -4459,14 +4577,26 @@
             <a:buNone/>
           </a:pPr>
           <a:r>
-            <a:rPr lang="de-DE" sz="2900" kern="1200" dirty="0"/>
+            <a:rPr lang="de-DE" sz="2900" kern="1200" dirty="0">
+              <a:solidFill>
+                <a:schemeClr val="tx2"/>
+              </a:solidFill>
+            </a:rPr>
             <a:t>Web </a:t>
           </a:r>
           <a:r>
-            <a:rPr lang="de-DE" sz="2900" kern="1200" dirty="0" err="1"/>
+            <a:rPr lang="de-DE" sz="2900" kern="1200" dirty="0" err="1">
+              <a:solidFill>
+                <a:schemeClr val="tx2"/>
+              </a:solidFill>
+            </a:rPr>
             <a:t>mechanics</a:t>
           </a:r>
-          <a:endParaRPr lang="de-DE" sz="2900" kern="1200" dirty="0"/>
+          <a:endParaRPr lang="de-DE" sz="2900" kern="1200" dirty="0">
+            <a:solidFill>
+              <a:schemeClr val="tx2"/>
+            </a:solidFill>
+          </a:endParaRPr>
         </a:p>
       </dsp:txBody>
       <dsp:txXfrm>
@@ -4538,26 +4668,50 @@
             <a:buNone/>
           </a:pPr>
           <a:r>
-            <a:rPr lang="de-DE" sz="2900" kern="1200" dirty="0" err="1"/>
+            <a:rPr lang="de-DE" sz="2900" kern="1200" dirty="0" err="1">
+              <a:solidFill>
+                <a:schemeClr val="tx2"/>
+              </a:solidFill>
+            </a:rPr>
             <a:t>Surfaces</a:t>
           </a:r>
           <a:r>
-            <a:rPr lang="de-DE" sz="2900" kern="1200" dirty="0"/>
+            <a:rPr lang="de-DE" sz="2900" kern="1200" dirty="0">
+              <a:solidFill>
+                <a:schemeClr val="tx2"/>
+              </a:solidFill>
+            </a:rPr>
             <a:t> / Block </a:t>
           </a:r>
           <a:r>
-            <a:rPr lang="de-DE" sz="2900" kern="1200" dirty="0" err="1"/>
+            <a:rPr lang="de-DE" sz="2900" kern="1200" dirty="0" err="1">
+              <a:solidFill>
+                <a:schemeClr val="tx2"/>
+              </a:solidFill>
+            </a:rPr>
             <a:t>based</a:t>
           </a:r>
           <a:r>
-            <a:rPr lang="de-DE" sz="2900" kern="1200" dirty="0"/>
+            <a:rPr lang="de-DE" sz="2900" kern="1200" dirty="0">
+              <a:solidFill>
+                <a:schemeClr val="tx2"/>
+              </a:solidFill>
+            </a:rPr>
             <a:t> </a:t>
           </a:r>
           <a:r>
-            <a:rPr lang="de-DE" sz="2900" kern="1200" dirty="0" err="1"/>
+            <a:rPr lang="de-DE" sz="2900" kern="1200" dirty="0" err="1">
+              <a:solidFill>
+                <a:schemeClr val="tx2"/>
+              </a:solidFill>
+            </a:rPr>
             <a:t>environment</a:t>
           </a:r>
-          <a:endParaRPr lang="de-DE" sz="2900" kern="1200" dirty="0"/>
+          <a:endParaRPr lang="de-DE" sz="2900" kern="1200" dirty="0">
+            <a:solidFill>
+              <a:schemeClr val="tx2"/>
+            </a:solidFill>
+          </a:endParaRPr>
         </a:p>
       </dsp:txBody>
       <dsp:txXfrm>
@@ -4629,18 +4783,34 @@
             <a:buNone/>
           </a:pPr>
           <a:r>
-            <a:rPr lang="de-DE" sz="2900" kern="1200" dirty="0" err="1"/>
+            <a:rPr lang="de-DE" sz="2900" kern="1200" dirty="0" err="1">
+              <a:solidFill>
+                <a:schemeClr val="tx2"/>
+              </a:solidFill>
+            </a:rPr>
             <a:t>Fighting</a:t>
           </a:r>
           <a:r>
-            <a:rPr lang="de-DE" sz="2900" kern="1200" dirty="0"/>
+            <a:rPr lang="de-DE" sz="2900" kern="1200" dirty="0">
+              <a:solidFill>
+                <a:schemeClr val="tx2"/>
+              </a:solidFill>
+            </a:rPr>
             <a:t> / Enemy </a:t>
           </a:r>
           <a:r>
-            <a:rPr lang="de-DE" sz="2900" kern="1200" dirty="0" err="1"/>
+            <a:rPr lang="de-DE" sz="2900" kern="1200" dirty="0" err="1">
+              <a:solidFill>
+                <a:schemeClr val="tx2"/>
+              </a:solidFill>
+            </a:rPr>
             <a:t>interactions</a:t>
           </a:r>
-          <a:endParaRPr lang="de-DE" sz="2900" kern="1200" dirty="0"/>
+          <a:endParaRPr lang="de-DE" sz="2900" kern="1200" dirty="0">
+            <a:solidFill>
+              <a:schemeClr val="tx2"/>
+            </a:solidFill>
+          </a:endParaRPr>
         </a:p>
       </dsp:txBody>
       <dsp:txXfrm>
@@ -4712,18 +4882,34 @@
             <a:buNone/>
           </a:pPr>
           <a:r>
-            <a:rPr lang="de-DE" sz="2900" kern="1200" dirty="0" err="1"/>
+            <a:rPr lang="de-DE" sz="2900" kern="1200" dirty="0" err="1">
+              <a:solidFill>
+                <a:schemeClr val="tx2"/>
+              </a:solidFill>
+            </a:rPr>
             <a:t>Resource</a:t>
           </a:r>
           <a:r>
-            <a:rPr lang="de-DE" sz="2900" kern="1200" dirty="0"/>
+            <a:rPr lang="de-DE" sz="2900" kern="1200" dirty="0">
+              <a:solidFill>
+                <a:schemeClr val="tx2"/>
+              </a:solidFill>
+            </a:rPr>
             <a:t> </a:t>
           </a:r>
           <a:r>
-            <a:rPr lang="de-DE" sz="2900" kern="1200" dirty="0" err="1"/>
+            <a:rPr lang="de-DE" sz="2900" kern="1200" dirty="0" err="1">
+              <a:solidFill>
+                <a:schemeClr val="tx2"/>
+              </a:solidFill>
+            </a:rPr>
             <a:t>based</a:t>
           </a:r>
-          <a:endParaRPr lang="de-DE" sz="2900" kern="1200" dirty="0"/>
+          <a:endParaRPr lang="de-DE" sz="2900" kern="1200" dirty="0">
+            <a:solidFill>
+              <a:schemeClr val="tx2"/>
+            </a:solidFill>
+          </a:endParaRPr>
         </a:p>
       </dsp:txBody>
       <dsp:txXfrm>
@@ -9281,7 +9467,7 @@
             <a:fld id="{B61BEF0D-F0BB-DE4B-95CE-6DB70DBA9567}" type="datetimeFigureOut">
               <a:rPr lang="en-US" smtClean="0"/>
               <a:pPr/>
-              <a:t>10/23/2016</a:t>
+              <a:t>10/26/2016</a:t>
             </a:fld>
             <a:endParaRPr lang="en-US" dirty="0"/>
           </a:p>
@@ -9579,7 +9765,7 @@
             <a:fld id="{B61BEF0D-F0BB-DE4B-95CE-6DB70DBA9567}" type="datetimeFigureOut">
               <a:rPr lang="en-US" smtClean="0"/>
               <a:pPr/>
-              <a:t>10/23/2016</a:t>
+              <a:t>10/26/2016</a:t>
             </a:fld>
             <a:endParaRPr lang="en-US" dirty="0"/>
           </a:p>
@@ -9829,7 +10015,7 @@
             <a:fld id="{B61BEF0D-F0BB-DE4B-95CE-6DB70DBA9567}" type="datetimeFigureOut">
               <a:rPr lang="en-US" smtClean="0"/>
               <a:pPr/>
-              <a:t>10/23/2016</a:t>
+              <a:t>10/26/2016</a:t>
             </a:fld>
             <a:endParaRPr lang="en-US" dirty="0"/>
           </a:p>
@@ -10371,7 +10557,7 @@
             <a:fld id="{B61BEF0D-F0BB-DE4B-95CE-6DB70DBA9567}" type="datetimeFigureOut">
               <a:rPr lang="en-US" smtClean="0"/>
               <a:pPr/>
-              <a:t>10/23/2016</a:t>
+              <a:t>10/26/2016</a:t>
             </a:fld>
             <a:endParaRPr lang="en-US" dirty="0"/>
           </a:p>
@@ -10621,7 +10807,7 @@
             <a:fld id="{B61BEF0D-F0BB-DE4B-95CE-6DB70DBA9567}" type="datetimeFigureOut">
               <a:rPr lang="en-US" smtClean="0"/>
               <a:pPr/>
-              <a:t>10/23/2016</a:t>
+              <a:t>10/26/2016</a:t>
             </a:fld>
             <a:endParaRPr lang="en-US" dirty="0"/>
           </a:p>
@@ -11155,7 +11341,7 @@
             <a:fld id="{B61BEF0D-F0BB-DE4B-95CE-6DB70DBA9567}" type="datetimeFigureOut">
               <a:rPr lang="en-US" smtClean="0"/>
               <a:pPr/>
-              <a:t>10/23/2016</a:t>
+              <a:t>10/26/2016</a:t>
             </a:fld>
             <a:endParaRPr lang="en-US" dirty="0"/>
           </a:p>
@@ -11454,7 +11640,7 @@
             <a:fld id="{B61BEF0D-F0BB-DE4B-95CE-6DB70DBA9567}" type="datetimeFigureOut">
               <a:rPr lang="en-US" smtClean="0"/>
               <a:pPr/>
-              <a:t>10/23/2016</a:t>
+              <a:t>10/26/2016</a:t>
             </a:fld>
             <a:endParaRPr lang="en-US" dirty="0"/>
           </a:p>
@@ -11630,7 +11816,7 @@
             <a:fld id="{B61BEF0D-F0BB-DE4B-95CE-6DB70DBA9567}" type="datetimeFigureOut">
               <a:rPr lang="en-US" smtClean="0"/>
               <a:pPr/>
-              <a:t>10/23/2016</a:t>
+              <a:t>10/26/2016</a:t>
             </a:fld>
             <a:endParaRPr lang="en-US" dirty="0"/>
           </a:p>
@@ -11812,7 +11998,7 @@
             <a:fld id="{B61BEF0D-F0BB-DE4B-95CE-6DB70DBA9567}" type="datetimeFigureOut">
               <a:rPr lang="en-US" smtClean="0"/>
               <a:pPr/>
-              <a:t>10/23/2016</a:t>
+              <a:t>10/26/2016</a:t>
             </a:fld>
             <a:endParaRPr lang="en-US" dirty="0"/>
           </a:p>
@@ -11984,7 +12170,7 @@
             <a:fld id="{B61BEF0D-F0BB-DE4B-95CE-6DB70DBA9567}" type="datetimeFigureOut">
               <a:rPr lang="en-US" smtClean="0"/>
               <a:pPr/>
-              <a:t>10/23/2016</a:t>
+              <a:t>10/26/2016</a:t>
             </a:fld>
             <a:endParaRPr lang="en-US" dirty="0"/>
           </a:p>
@@ -12237,7 +12423,7 @@
             <a:fld id="{B61BEF0D-F0BB-DE4B-95CE-6DB70DBA9567}" type="datetimeFigureOut">
               <a:rPr lang="en-US" smtClean="0"/>
               <a:pPr/>
-              <a:t>10/23/2016</a:t>
+              <a:t>10/26/2016</a:t>
             </a:fld>
             <a:endParaRPr lang="en-US" dirty="0"/>
           </a:p>
@@ -12536,7 +12722,7 @@
             <a:fld id="{B61BEF0D-F0BB-DE4B-95CE-6DB70DBA9567}" type="datetimeFigureOut">
               <a:rPr lang="en-US" smtClean="0"/>
               <a:pPr/>
-              <a:t>10/23/2016</a:t>
+              <a:t>10/26/2016</a:t>
             </a:fld>
             <a:endParaRPr lang="en-US" dirty="0"/>
           </a:p>
@@ -12980,7 +13166,7 @@
             <a:fld id="{B61BEF0D-F0BB-DE4B-95CE-6DB70DBA9567}" type="datetimeFigureOut">
               <a:rPr lang="en-US" smtClean="0"/>
               <a:pPr/>
-              <a:t>10/23/2016</a:t>
+              <a:t>10/26/2016</a:t>
             </a:fld>
             <a:endParaRPr lang="en-US" dirty="0"/>
           </a:p>
@@ -13100,7 +13286,7 @@
             <a:fld id="{B61BEF0D-F0BB-DE4B-95CE-6DB70DBA9567}" type="datetimeFigureOut">
               <a:rPr lang="en-US" smtClean="0"/>
               <a:pPr/>
-              <a:t>10/23/2016</a:t>
+              <a:t>10/26/2016</a:t>
             </a:fld>
             <a:endParaRPr lang="en-US" dirty="0"/>
           </a:p>
@@ -13197,7 +13383,7 @@
             <a:fld id="{B61BEF0D-F0BB-DE4B-95CE-6DB70DBA9567}" type="datetimeFigureOut">
               <a:rPr lang="en-US" smtClean="0"/>
               <a:pPr/>
-              <a:t>10/23/2016</a:t>
+              <a:t>10/26/2016</a:t>
             </a:fld>
             <a:endParaRPr lang="en-US" dirty="0"/>
           </a:p>
@@ -13482,7 +13668,7 @@
             <a:fld id="{B61BEF0D-F0BB-DE4B-95CE-6DB70DBA9567}" type="datetimeFigureOut">
               <a:rPr lang="en-US" smtClean="0"/>
               <a:pPr/>
-              <a:t>10/23/2016</a:t>
+              <a:t>10/26/2016</a:t>
             </a:fld>
             <a:endParaRPr lang="en-US" dirty="0"/>
           </a:p>
@@ -13775,7 +13961,7 @@
             <a:fld id="{B61BEF0D-F0BB-DE4B-95CE-6DB70DBA9567}" type="datetimeFigureOut">
               <a:rPr lang="en-US" smtClean="0"/>
               <a:pPr/>
-              <a:t>10/23/2016</a:t>
+              <a:t>10/26/2016</a:t>
             </a:fld>
             <a:endParaRPr lang="en-US" dirty="0"/>
           </a:p>
@@ -14307,7 +14493,7 @@
             <a:fld id="{B61BEF0D-F0BB-DE4B-95CE-6DB70DBA9567}" type="datetimeFigureOut">
               <a:rPr lang="en-US" smtClean="0"/>
               <a:pPr/>
-              <a:t>10/23/2016</a:t>
+              <a:t>10/26/2016</a:t>
             </a:fld>
             <a:endParaRPr lang="en-US" dirty="0"/>
           </a:p>
@@ -14855,25 +15041,10 @@
           <a:lstStyle/>
           <a:p>
             <a:r>
-              <a:rPr lang="de-DE" dirty="0"/>
-              <a:t>&lt;Insert </a:t>
+              <a:rPr lang="de-DE" dirty="0" err="1"/>
+              <a:t>Splorrt</a:t>
             </a:r>
-            <a:r>
-              <a:rPr lang="de-DE" dirty="0" err="1"/>
-              <a:t>game</a:t>
-            </a:r>
-            <a:r>
-              <a:rPr lang="de-DE" dirty="0"/>
-              <a:t> title </a:t>
-            </a:r>
-            <a:r>
-              <a:rPr lang="de-DE" dirty="0" err="1"/>
-              <a:t>here</a:t>
-            </a:r>
-            <a:r>
-              <a:rPr lang="de-DE" dirty="0"/>
-              <a:t>&gt;</a:t>
-            </a:r>
+            <a:endParaRPr lang="de-DE" dirty="0"/>
           </a:p>
         </p:txBody>
       </p:sp>
@@ -14966,7 +15137,7 @@
             <p:ph idx="1"/>
             <p:extLst>
               <p:ext uri="{D42A27DB-BD31-4B8C-83A1-F6EECF244321}">
-                <p14:modId xmlns:p14="http://schemas.microsoft.com/office/powerpoint/2010/main" val="213940209"/>
+                <p14:modId xmlns:p14="http://schemas.microsoft.com/office/powerpoint/2010/main" val="1614907929"/>
               </p:ext>
             </p:extLst>
           </p:nvPr>
@@ -15354,7 +15525,7 @@
             <p:ph idx="1"/>
             <p:extLst>
               <p:ext uri="{D42A27DB-BD31-4B8C-83A1-F6EECF244321}">
-                <p14:modId xmlns:p14="http://schemas.microsoft.com/office/powerpoint/2010/main" val="352802615"/>
+                <p14:modId xmlns:p14="http://schemas.microsoft.com/office/powerpoint/2010/main" val="2240755241"/>
               </p:ext>
             </p:extLst>
           </p:nvPr>
@@ -15717,7 +15888,7 @@
             <p:ph idx="1"/>
             <p:extLst>
               <p:ext uri="{D42A27DB-BD31-4B8C-83A1-F6EECF244321}">
-                <p14:modId xmlns:p14="http://schemas.microsoft.com/office/powerpoint/2010/main" val="3351298175"/>
+                <p14:modId xmlns:p14="http://schemas.microsoft.com/office/powerpoint/2010/main" val="1160890537"/>
               </p:ext>
             </p:extLst>
           </p:nvPr>
